--- a/Lections/8/Ассоциативные контейнеры.pptx
+++ b/Lections/8/Ассоциативные контейнеры.pptx
@@ -3536,7 +3536,25 @@
                 </a:solidFill>
                 <a:latin typeface="Calibri" panose="020F0502020204030204" pitchFamily="34" charset="0"/>
               </a:rPr>
-              <a:t>Лекция 7: Последовательные контейнеры.</a:t>
+              <a:t>Лекция </a:t>
+            </a:r>
+            <a:r>
+              <a:rPr lang="ru-RU" sz="3600" b="1" dirty="0" smtClean="0">
+                <a:solidFill>
+                  <a:srgbClr val="000000"/>
+                </a:solidFill>
+                <a:latin typeface="Calibri" panose="020F0502020204030204" pitchFamily="34" charset="0"/>
+              </a:rPr>
+              <a:t>8: Ассоциативные </a:t>
+            </a:r>
+            <a:r>
+              <a:rPr lang="ru-RU" sz="3600" b="1" dirty="0" smtClean="0">
+                <a:solidFill>
+                  <a:srgbClr val="000000"/>
+                </a:solidFill>
+                <a:latin typeface="Calibri" panose="020F0502020204030204" pitchFamily="34" charset="0"/>
+              </a:rPr>
+              <a:t>контейнеры.</a:t>
             </a:r>
             <a:endParaRPr lang="ru-RU" sz="3600" b="1" dirty="0">
               <a:solidFill>
